--- a/Einleitung.pptx
+++ b/Einleitung.pptx
@@ -5,10 +5,10 @@
     <p:sldMasterId id="2147483828" r:id="rId4"/>
   </p:sldMasterIdLst>
   <p:notesMasterIdLst>
-    <p:notesMasterId r:id="rId15"/>
+    <p:notesMasterId r:id="rId17"/>
   </p:notesMasterIdLst>
   <p:handoutMasterIdLst>
-    <p:handoutMasterId r:id="rId16"/>
+    <p:handoutMasterId r:id="rId18"/>
   </p:handoutMasterIdLst>
   <p:sldIdLst>
     <p:sldId id="257" r:id="rId5"/>
@@ -20,7 +20,9 @@
     <p:sldId id="266" r:id="rId11"/>
     <p:sldId id="267" r:id="rId12"/>
     <p:sldId id="268" r:id="rId13"/>
-    <p:sldId id="260" r:id="rId14"/>
+    <p:sldId id="269" r:id="rId14"/>
+    <p:sldId id="270" r:id="rId15"/>
+    <p:sldId id="260" r:id="rId16"/>
   </p:sldIdLst>
   <p:sldSz cx="12192000" cy="6858000"/>
   <p:notesSz cx="6858000" cy="9144000"/>
@@ -824,6 +826,174 @@
             <a:fld id="{CFED664B-377C-4B68-AF4E-EBDA643118DF}" type="slidenum">
               <a:rPr lang="en-US" smtClean="0"/>
               <a:t>10</a:t>
+            </a:fld>
+            <a:endParaRPr lang="en-US" dirty="0"/>
+          </a:p>
+        </p:txBody>
+      </p:sp>
+    </p:spTree>
+    <p:extLst>
+      <p:ext uri="{BB962C8B-B14F-4D97-AF65-F5344CB8AC3E}">
+        <p14:creationId xmlns:p14="http://schemas.microsoft.com/office/powerpoint/2010/main" val="1107335975"/>
+      </p:ext>
+    </p:extLst>
+  </p:cSld>
+  <p:clrMapOvr>
+    <a:masterClrMapping/>
+  </p:clrMapOvr>
+</p:notes>
+</file>
+
+<file path=ppt/notesSlides/notesSlide11.xml><?xml version="1.0" encoding="utf-8"?>
+<p:notes xmlns:a="http://schemas.openxmlformats.org/drawingml/2006/main" xmlns:r="http://schemas.openxmlformats.org/officeDocument/2006/relationships" xmlns:p="http://schemas.openxmlformats.org/presentationml/2006/main">
+  <p:cSld>
+    <p:spTree>
+      <p:nvGrpSpPr>
+        <p:cNvPr id="1" name=""/>
+        <p:cNvGrpSpPr/>
+        <p:nvPr/>
+      </p:nvGrpSpPr>
+      <p:grpSpPr>
+        <a:xfrm>
+          <a:off x="0" y="0"/>
+          <a:ext cx="0" cy="0"/>
+          <a:chOff x="0" y="0"/>
+          <a:chExt cx="0" cy="0"/>
+        </a:xfrm>
+      </p:grpSpPr>
+      <p:sp>
+        <p:nvSpPr>
+          <p:cNvPr id="2" name="Slide Image Placeholder 1"/>
+          <p:cNvSpPr>
+            <a:spLocks noGrp="1" noRot="1" noChangeAspect="1"/>
+          </p:cNvSpPr>
+          <p:nvPr>
+            <p:ph type="sldImg"/>
+          </p:nvPr>
+        </p:nvSpPr>
+        <p:spPr/>
+      </p:sp>
+      <p:sp>
+        <p:nvSpPr>
+          <p:cNvPr id="3" name="Notes Placeholder 2"/>
+          <p:cNvSpPr>
+            <a:spLocks noGrp="1"/>
+          </p:cNvSpPr>
+          <p:nvPr>
+            <p:ph type="body" idx="1"/>
+          </p:nvPr>
+        </p:nvSpPr>
+        <p:spPr/>
+        <p:txBody>
+          <a:bodyPr/>
+          <a:lstStyle/>
+          <a:p>
+            <a:endParaRPr lang="en-US" dirty="0"/>
+          </a:p>
+        </p:txBody>
+      </p:sp>
+      <p:sp>
+        <p:nvSpPr>
+          <p:cNvPr id="4" name="Slide Number Placeholder 3"/>
+          <p:cNvSpPr>
+            <a:spLocks noGrp="1"/>
+          </p:cNvSpPr>
+          <p:nvPr>
+            <p:ph type="sldNum" sz="quarter" idx="5"/>
+          </p:nvPr>
+        </p:nvSpPr>
+        <p:spPr/>
+        <p:txBody>
+          <a:bodyPr/>
+          <a:lstStyle/>
+          <a:p>
+            <a:fld id="{CFED664B-377C-4B68-AF4E-EBDA643118DF}" type="slidenum">
+              <a:rPr lang="en-US" smtClean="0"/>
+              <a:t>11</a:t>
+            </a:fld>
+            <a:endParaRPr lang="en-US" dirty="0"/>
+          </a:p>
+        </p:txBody>
+      </p:sp>
+    </p:spTree>
+    <p:extLst>
+      <p:ext uri="{BB962C8B-B14F-4D97-AF65-F5344CB8AC3E}">
+        <p14:creationId xmlns:p14="http://schemas.microsoft.com/office/powerpoint/2010/main" val="1283542674"/>
+      </p:ext>
+    </p:extLst>
+  </p:cSld>
+  <p:clrMapOvr>
+    <a:masterClrMapping/>
+  </p:clrMapOvr>
+</p:notes>
+</file>
+
+<file path=ppt/notesSlides/notesSlide12.xml><?xml version="1.0" encoding="utf-8"?>
+<p:notes xmlns:a="http://schemas.openxmlformats.org/drawingml/2006/main" xmlns:r="http://schemas.openxmlformats.org/officeDocument/2006/relationships" xmlns:p="http://schemas.openxmlformats.org/presentationml/2006/main">
+  <p:cSld>
+    <p:spTree>
+      <p:nvGrpSpPr>
+        <p:cNvPr id="1" name=""/>
+        <p:cNvGrpSpPr/>
+        <p:nvPr/>
+      </p:nvGrpSpPr>
+      <p:grpSpPr>
+        <a:xfrm>
+          <a:off x="0" y="0"/>
+          <a:ext cx="0" cy="0"/>
+          <a:chOff x="0" y="0"/>
+          <a:chExt cx="0" cy="0"/>
+        </a:xfrm>
+      </p:grpSpPr>
+      <p:sp>
+        <p:nvSpPr>
+          <p:cNvPr id="2" name="Slide Image Placeholder 1"/>
+          <p:cNvSpPr>
+            <a:spLocks noGrp="1" noRot="1" noChangeAspect="1"/>
+          </p:cNvSpPr>
+          <p:nvPr>
+            <p:ph type="sldImg"/>
+          </p:nvPr>
+        </p:nvSpPr>
+        <p:spPr/>
+      </p:sp>
+      <p:sp>
+        <p:nvSpPr>
+          <p:cNvPr id="3" name="Notes Placeholder 2"/>
+          <p:cNvSpPr>
+            <a:spLocks noGrp="1"/>
+          </p:cNvSpPr>
+          <p:nvPr>
+            <p:ph type="body" idx="1"/>
+          </p:nvPr>
+        </p:nvSpPr>
+        <p:spPr/>
+        <p:txBody>
+          <a:bodyPr/>
+          <a:lstStyle/>
+          <a:p>
+            <a:endParaRPr lang="en-US" dirty="0"/>
+          </a:p>
+        </p:txBody>
+      </p:sp>
+      <p:sp>
+        <p:nvSpPr>
+          <p:cNvPr id="4" name="Slide Number Placeholder 3"/>
+          <p:cNvSpPr>
+            <a:spLocks noGrp="1"/>
+          </p:cNvSpPr>
+          <p:nvPr>
+            <p:ph type="sldNum" sz="quarter" idx="5"/>
+          </p:nvPr>
+        </p:nvSpPr>
+        <p:spPr/>
+        <p:txBody>
+          <a:bodyPr/>
+          <a:lstStyle/>
+          <a:p>
+            <a:fld id="{CFED664B-377C-4B68-AF4E-EBDA643118DF}" type="slidenum">
+              <a:rPr lang="en-US" smtClean="0"/>
+              <a:t>12</a:t>
             </a:fld>
             <a:endParaRPr lang="en-US" dirty="0"/>
           </a:p>
@@ -5425,6 +5595,2142 @@
 </file>
 
 <file path=ppt/slides/slide10.xml><?xml version="1.0" encoding="utf-8"?>
+<p:sld xmlns:a="http://schemas.openxmlformats.org/drawingml/2006/main" xmlns:r="http://schemas.openxmlformats.org/officeDocument/2006/relationships" xmlns:p="http://schemas.openxmlformats.org/presentationml/2006/main">
+  <p:cSld>
+    <p:bg>
+      <p:bgPr>
+        <a:solidFill>
+          <a:schemeClr val="bg1"/>
+        </a:solidFill>
+        <a:effectLst/>
+      </p:bgPr>
+    </p:bg>
+    <p:spTree>
+      <p:nvGrpSpPr>
+        <p:cNvPr id="1" name=""/>
+        <p:cNvGrpSpPr/>
+        <p:nvPr/>
+      </p:nvGrpSpPr>
+      <p:grpSpPr>
+        <a:xfrm>
+          <a:off x="0" y="0"/>
+          <a:ext cx="0" cy="0"/>
+          <a:chOff x="0" y="0"/>
+          <a:chExt cx="0" cy="0"/>
+        </a:xfrm>
+      </p:grpSpPr>
+      <p:sp useBgFill="1">
+        <p:nvSpPr>
+          <p:cNvPr id="10" name="Rectangle 9">
+            <a:extLst>
+              <a:ext uri="{FF2B5EF4-FFF2-40B4-BE49-F238E27FC236}">
+                <a16:creationId xmlns:a16="http://schemas.microsoft.com/office/drawing/2014/main" id="{93F0ADB5-A0B4-4B01-A8C4-FDC34CE22BD4}"/>
+              </a:ext>
+              <a:ext uri="{C183D7F6-B498-43B3-948B-1728B52AA6E4}">
+                <adec:decorative xmlns:adec="http://schemas.microsoft.com/office/drawing/2017/decorative" val="1"/>
+              </a:ext>
+            </a:extLst>
+          </p:cNvPr>
+          <p:cNvSpPr>
+            <a:spLocks noGrp="1" noRot="1" noChangeAspect="1" noMove="1" noResize="1" noEditPoints="1" noAdjustHandles="1" noChangeArrowheads="1" noChangeShapeType="1" noTextEdit="1"/>
+          </p:cNvSpPr>
+          <p:nvPr>
+            <p:extLst>
+              <p:ext uri="{386F3935-93C4-4BCD-93E2-E3B085C9AB24}">
+                <p16:designElem xmlns:p16="http://schemas.microsoft.com/office/powerpoint/2015/main" val="1"/>
+              </p:ext>
+            </p:extLst>
+          </p:nvPr>
+        </p:nvSpPr>
+        <p:spPr>
+          <a:xfrm>
+            <a:off x="0" y="0"/>
+            <a:ext cx="12191999" cy="6858000"/>
+          </a:xfrm>
+          <a:prstGeom prst="rect">
+            <a:avLst/>
+          </a:prstGeom>
+          <a:ln>
+            <a:noFill/>
+          </a:ln>
+        </p:spPr>
+        <p:style>
+          <a:lnRef idx="2">
+            <a:schemeClr val="accent1">
+              <a:shade val="50000"/>
+            </a:schemeClr>
+          </a:lnRef>
+          <a:fillRef idx="1">
+            <a:schemeClr val="accent1"/>
+          </a:fillRef>
+          <a:effectRef idx="0">
+            <a:schemeClr val="accent1"/>
+          </a:effectRef>
+          <a:fontRef idx="minor">
+            <a:schemeClr val="lt1"/>
+          </a:fontRef>
+        </p:style>
+        <p:txBody>
+          <a:bodyPr rtlCol="0" anchor="ctr"/>
+          <a:lstStyle/>
+          <a:p>
+            <a:pPr algn="ctr"/>
+            <a:endParaRPr lang="en-US" dirty="0"/>
+          </a:p>
+        </p:txBody>
+      </p:sp>
+      <p:sp>
+        <p:nvSpPr>
+          <p:cNvPr id="12" name="Rectangle 11">
+            <a:extLst>
+              <a:ext uri="{FF2B5EF4-FFF2-40B4-BE49-F238E27FC236}">
+                <a16:creationId xmlns:a16="http://schemas.microsoft.com/office/drawing/2014/main" id="{AA6D0FDE-0241-4C21-A720-A69475358235}"/>
+              </a:ext>
+              <a:ext uri="{C183D7F6-B498-43B3-948B-1728B52AA6E4}">
+                <adec:decorative xmlns:adec="http://schemas.microsoft.com/office/drawing/2017/decorative" val="1"/>
+              </a:ext>
+            </a:extLst>
+          </p:cNvPr>
+          <p:cNvSpPr>
+            <a:spLocks noGrp="1" noRot="1" noChangeAspect="1" noMove="1" noResize="1" noEditPoints="1" noAdjustHandles="1" noChangeArrowheads="1" noChangeShapeType="1" noTextEdit="1"/>
+          </p:cNvSpPr>
+          <p:nvPr>
+            <p:extLst>
+              <p:ext uri="{386F3935-93C4-4BCD-93E2-E3B085C9AB24}">
+                <p16:designElem xmlns:p16="http://schemas.microsoft.com/office/powerpoint/2015/main" val="1"/>
+              </p:ext>
+            </p:extLst>
+          </p:nvPr>
+        </p:nvSpPr>
+        <p:spPr>
+          <a:xfrm>
+            <a:off x="0" y="0"/>
+            <a:ext cx="4654296" cy="6858000"/>
+          </a:xfrm>
+          <a:prstGeom prst="rect">
+            <a:avLst/>
+          </a:prstGeom>
+          <a:solidFill>
+            <a:schemeClr val="tx1">
+              <a:lumMod val="95000"/>
+              <a:lumOff val="5000"/>
+            </a:schemeClr>
+          </a:solidFill>
+          <a:ln>
+            <a:noFill/>
+          </a:ln>
+        </p:spPr>
+        <p:style>
+          <a:lnRef idx="0">
+            <a:scrgbClr r="0" g="0" b="0"/>
+          </a:lnRef>
+          <a:fillRef idx="0">
+            <a:scrgbClr r="0" g="0" b="0"/>
+          </a:fillRef>
+          <a:effectRef idx="0">
+            <a:scrgbClr r="0" g="0" b="0"/>
+          </a:effectRef>
+          <a:fontRef idx="minor">
+            <a:schemeClr val="lt1"/>
+          </a:fontRef>
+        </p:style>
+        <p:txBody>
+          <a:bodyPr rtlCol="0" anchor="ctr"/>
+          <a:lstStyle/>
+          <a:p>
+            <a:pPr algn="ctr"/>
+            <a:endParaRPr lang="en-US" dirty="0"/>
+          </a:p>
+        </p:txBody>
+      </p:sp>
+      <p:sp>
+        <p:nvSpPr>
+          <p:cNvPr id="2" name="Title 1">
+            <a:extLst>
+              <a:ext uri="{FF2B5EF4-FFF2-40B4-BE49-F238E27FC236}">
+                <a16:creationId xmlns:a16="http://schemas.microsoft.com/office/drawing/2014/main" id="{9C9DE503-F7C2-4A40-83F4-4DE931E7D9DE}"/>
+              </a:ext>
+            </a:extLst>
+          </p:cNvPr>
+          <p:cNvSpPr>
+            <a:spLocks noGrp="1"/>
+          </p:cNvSpPr>
+          <p:nvPr>
+            <p:ph type="title"/>
+          </p:nvPr>
+        </p:nvSpPr>
+        <p:spPr>
+          <a:xfrm>
+            <a:off x="64981" y="178408"/>
+            <a:ext cx="3554665" cy="747897"/>
+          </a:xfrm>
+          <a:noFill/>
+          <a:ln>
+            <a:solidFill>
+              <a:schemeClr val="bg1"/>
+            </a:solidFill>
+          </a:ln>
+          <a:effectLst>
+            <a:glow rad="152400">
+              <a:schemeClr val="bg1">
+                <a:alpha val="13000"/>
+              </a:schemeClr>
+            </a:glow>
+          </a:effectLst>
+        </p:spPr>
+        <p:txBody>
+          <a:bodyPr wrap="square">
+            <a:normAutofit fontScale="90000"/>
+          </a:bodyPr>
+          <a:lstStyle/>
+          <a:p>
+            <a:r>
+              <a:rPr lang="en-US" dirty="0" err="1">
+                <a:solidFill>
+                  <a:schemeClr val="bg1"/>
+                </a:solidFill>
+              </a:rPr>
+              <a:t>Eigenschaften</a:t>
+            </a:r>
+            <a:endParaRPr lang="en-US" dirty="0">
+              <a:solidFill>
+                <a:schemeClr val="bg1"/>
+              </a:solidFill>
+            </a:endParaRPr>
+          </a:p>
+        </p:txBody>
+      </p:sp>
+      <p:pic>
+        <p:nvPicPr>
+          <p:cNvPr id="4" name="Picture 3" descr="Finance trade numbers">
+            <a:extLst>
+              <a:ext uri="{FF2B5EF4-FFF2-40B4-BE49-F238E27FC236}">
+                <a16:creationId xmlns:a16="http://schemas.microsoft.com/office/drawing/2014/main" id="{32F354A1-38C7-4598-A0E1-7A286A3019B8}"/>
+              </a:ext>
+            </a:extLst>
+          </p:cNvPr>
+          <p:cNvPicPr>
+            <a:picLocks noChangeAspect="1"/>
+          </p:cNvPicPr>
+          <p:nvPr/>
+        </p:nvPicPr>
+        <p:blipFill rotWithShape="1">
+          <a:blip r:embed="rId3" cstate="print">
+            <a:extLst>
+              <a:ext uri="{28A0092B-C50C-407E-A947-70E740481C1C}">
+                <a14:useLocalDpi xmlns:a14="http://schemas.microsoft.com/office/drawing/2010/main"/>
+              </a:ext>
+            </a:extLst>
+          </a:blip>
+          <a:srcRect/>
+          <a:stretch/>
+        </p:blipFill>
+        <p:spPr>
+          <a:xfrm>
+            <a:off x="1" y="0"/>
+            <a:ext cx="12193694" cy="6858000"/>
+          </a:xfrm>
+          <a:prstGeom prst="rect">
+            <a:avLst/>
+          </a:prstGeom>
+        </p:spPr>
+      </p:pic>
+      <p:sp>
+        <p:nvSpPr>
+          <p:cNvPr id="11" name="Content Placeholder 8">
+            <a:extLst>
+              <a:ext uri="{FF2B5EF4-FFF2-40B4-BE49-F238E27FC236}">
+                <a16:creationId xmlns:a16="http://schemas.microsoft.com/office/drawing/2014/main" id="{1ACCD635-FE16-435E-829F-7476FB1425D9}"/>
+              </a:ext>
+            </a:extLst>
+          </p:cNvPr>
+          <p:cNvSpPr txBox="1">
+            <a:spLocks/>
+          </p:cNvSpPr>
+          <p:nvPr/>
+        </p:nvSpPr>
+        <p:spPr>
+          <a:xfrm>
+            <a:off x="-1696" y="0"/>
+            <a:ext cx="12193696" cy="926305"/>
+          </a:xfrm>
+          <a:prstGeom prst="rect">
+            <a:avLst/>
+          </a:prstGeom>
+          <a:solidFill>
+            <a:schemeClr val="tx1">
+              <a:alpha val="70000"/>
+            </a:schemeClr>
+          </a:solidFill>
+        </p:spPr>
+        <p:style>
+          <a:lnRef idx="0">
+            <a:schemeClr val="dk1">
+              <a:hueOff val="0"/>
+              <a:satOff val="0"/>
+              <a:lumOff val="0"/>
+              <a:alphaOff val="0"/>
+            </a:schemeClr>
+          </a:lnRef>
+          <a:fillRef idx="1">
+            <a:scrgbClr r="0" g="0" b="0"/>
+          </a:fillRef>
+          <a:effectRef idx="2">
+            <a:schemeClr val="bg1">
+              <a:lumMod val="95000"/>
+              <a:hueOff val="0"/>
+              <a:satOff val="0"/>
+              <a:lumOff val="0"/>
+              <a:alphaOff val="0"/>
+            </a:schemeClr>
+          </a:effectRef>
+          <a:fontRef idx="minor">
+            <a:schemeClr val="dk1">
+              <a:hueOff val="0"/>
+              <a:satOff val="0"/>
+              <a:lumOff val="0"/>
+              <a:alphaOff val="0"/>
+            </a:schemeClr>
+          </a:fontRef>
+        </p:style>
+        <p:txBody>
+          <a:bodyPr vert="horz" lIns="91440" tIns="45720" rIns="91440" bIns="45720" rtlCol="0">
+            <a:normAutofit/>
+          </a:bodyPr>
+          <a:lstStyle>
+            <a:lvl1pPr marL="228600" indent="-228600" algn="l" defTabSz="914400" rtl="0" eaLnBrk="1" latinLnBrk="0" hangingPunct="1">
+              <a:lnSpc>
+                <a:spcPct val="100000"/>
+              </a:lnSpc>
+              <a:spcBef>
+                <a:spcPts val="1000"/>
+              </a:spcBef>
+              <a:buClr>
+                <a:schemeClr val="accent2"/>
+              </a:buClr>
+              <a:buFont typeface="Arial" panose="020B0604020202020204" pitchFamily="34" charset="0"/>
+              <a:buChar char="•"/>
+              <a:defRPr sz="1800" kern="1200">
+                <a:solidFill>
+                  <a:schemeClr val="dk1">
+                    <a:hueOff val="0"/>
+                    <a:satOff val="0"/>
+                    <a:lumOff val="0"/>
+                    <a:alphaOff val="0"/>
+                  </a:schemeClr>
+                </a:solidFill>
+                <a:latin typeface="+mn-lt"/>
+                <a:ea typeface="+mn-ea"/>
+                <a:cs typeface="+mn-cs"/>
+              </a:defRPr>
+            </a:lvl1pPr>
+            <a:lvl2pPr marL="457200" indent="-228600" algn="l" defTabSz="914400" rtl="0" eaLnBrk="1" latinLnBrk="0" hangingPunct="1">
+              <a:lnSpc>
+                <a:spcPct val="100000"/>
+              </a:lnSpc>
+              <a:spcBef>
+                <a:spcPts val="1000"/>
+              </a:spcBef>
+              <a:buClr>
+                <a:schemeClr val="accent2"/>
+              </a:buClr>
+              <a:buFont typeface="Arial" panose="020B0604020202020204" pitchFamily="34" charset="0"/>
+              <a:buChar char="•"/>
+              <a:defRPr sz="1600" kern="1200">
+                <a:solidFill>
+                  <a:schemeClr val="dk1">
+                    <a:hueOff val="0"/>
+                    <a:satOff val="0"/>
+                    <a:lumOff val="0"/>
+                    <a:alphaOff val="0"/>
+                  </a:schemeClr>
+                </a:solidFill>
+                <a:latin typeface="+mn-lt"/>
+                <a:ea typeface="+mn-ea"/>
+                <a:cs typeface="+mn-cs"/>
+              </a:defRPr>
+            </a:lvl2pPr>
+            <a:lvl3pPr marL="685800" indent="-228600" algn="l" defTabSz="914400" rtl="0" eaLnBrk="1" latinLnBrk="0" hangingPunct="1">
+              <a:lnSpc>
+                <a:spcPct val="100000"/>
+              </a:lnSpc>
+              <a:spcBef>
+                <a:spcPts val="1000"/>
+              </a:spcBef>
+              <a:buClr>
+                <a:schemeClr val="accent2"/>
+              </a:buClr>
+              <a:buFont typeface="Arial" panose="020B0604020202020204" pitchFamily="34" charset="0"/>
+              <a:buChar char="•"/>
+              <a:defRPr sz="1600" kern="1200">
+                <a:solidFill>
+                  <a:schemeClr val="dk1">
+                    <a:hueOff val="0"/>
+                    <a:satOff val="0"/>
+                    <a:lumOff val="0"/>
+                    <a:alphaOff val="0"/>
+                  </a:schemeClr>
+                </a:solidFill>
+                <a:latin typeface="+mn-lt"/>
+                <a:ea typeface="+mn-ea"/>
+                <a:cs typeface="+mn-cs"/>
+              </a:defRPr>
+            </a:lvl3pPr>
+            <a:lvl4pPr marL="914400" indent="-228600" algn="l" defTabSz="914400" rtl="0" eaLnBrk="1" latinLnBrk="0" hangingPunct="1">
+              <a:lnSpc>
+                <a:spcPct val="100000"/>
+              </a:lnSpc>
+              <a:spcBef>
+                <a:spcPts val="1000"/>
+              </a:spcBef>
+              <a:buClr>
+                <a:schemeClr val="accent2"/>
+              </a:buClr>
+              <a:buFont typeface="Arial" panose="020B0604020202020204" pitchFamily="34" charset="0"/>
+              <a:buChar char="•"/>
+              <a:defRPr sz="1600" kern="1200">
+                <a:solidFill>
+                  <a:schemeClr val="dk1">
+                    <a:hueOff val="0"/>
+                    <a:satOff val="0"/>
+                    <a:lumOff val="0"/>
+                    <a:alphaOff val="0"/>
+                  </a:schemeClr>
+                </a:solidFill>
+                <a:latin typeface="+mn-lt"/>
+                <a:ea typeface="+mn-ea"/>
+                <a:cs typeface="+mn-cs"/>
+              </a:defRPr>
+            </a:lvl4pPr>
+            <a:lvl5pPr marL="1143000" indent="-228600" algn="l" defTabSz="914400" rtl="0" eaLnBrk="1" latinLnBrk="0" hangingPunct="1">
+              <a:lnSpc>
+                <a:spcPct val="100000"/>
+              </a:lnSpc>
+              <a:spcBef>
+                <a:spcPts val="1000"/>
+              </a:spcBef>
+              <a:buClr>
+                <a:schemeClr val="accent2"/>
+              </a:buClr>
+              <a:buFont typeface="Arial" panose="020B0604020202020204" pitchFamily="34" charset="0"/>
+              <a:buChar char="•"/>
+              <a:defRPr sz="1600" kern="1200">
+                <a:solidFill>
+                  <a:schemeClr val="dk1">
+                    <a:hueOff val="0"/>
+                    <a:satOff val="0"/>
+                    <a:lumOff val="0"/>
+                    <a:alphaOff val="0"/>
+                  </a:schemeClr>
+                </a:solidFill>
+                <a:latin typeface="+mn-lt"/>
+                <a:ea typeface="+mn-ea"/>
+                <a:cs typeface="+mn-cs"/>
+              </a:defRPr>
+            </a:lvl5pPr>
+            <a:lvl6pPr marL="1312863" indent="-228600" algn="l" defTabSz="914400" rtl="0" eaLnBrk="1" latinLnBrk="0" hangingPunct="1">
+              <a:lnSpc>
+                <a:spcPct val="100000"/>
+              </a:lnSpc>
+              <a:spcBef>
+                <a:spcPts val="1000"/>
+              </a:spcBef>
+              <a:buClr>
+                <a:schemeClr val="accent2"/>
+              </a:buClr>
+              <a:buFont typeface="Arial" panose="020B0604020202020204" pitchFamily="34" charset="0"/>
+              <a:buChar char="•"/>
+              <a:defRPr sz="1600" kern="1200">
+                <a:solidFill>
+                  <a:schemeClr val="dk1">
+                    <a:hueOff val="0"/>
+                    <a:satOff val="0"/>
+                    <a:lumOff val="0"/>
+                    <a:alphaOff val="0"/>
+                  </a:schemeClr>
+                </a:solidFill>
+                <a:latin typeface="+mn-lt"/>
+                <a:ea typeface="+mn-ea"/>
+                <a:cs typeface="+mn-cs"/>
+              </a:defRPr>
+            </a:lvl6pPr>
+            <a:lvl7pPr marL="1484313" indent="-228600" algn="l" defTabSz="914400" rtl="0" eaLnBrk="1" latinLnBrk="0" hangingPunct="1">
+              <a:lnSpc>
+                <a:spcPct val="100000"/>
+              </a:lnSpc>
+              <a:spcBef>
+                <a:spcPts val="1000"/>
+              </a:spcBef>
+              <a:buClr>
+                <a:schemeClr val="accent2"/>
+              </a:buClr>
+              <a:buFont typeface="Arial" panose="020B0604020202020204" pitchFamily="34" charset="0"/>
+              <a:buChar char="•"/>
+              <a:defRPr sz="1600" kern="1200">
+                <a:solidFill>
+                  <a:schemeClr val="dk1">
+                    <a:hueOff val="0"/>
+                    <a:satOff val="0"/>
+                    <a:lumOff val="0"/>
+                    <a:alphaOff val="0"/>
+                  </a:schemeClr>
+                </a:solidFill>
+                <a:latin typeface="+mn-lt"/>
+                <a:ea typeface="+mn-ea"/>
+                <a:cs typeface="+mn-cs"/>
+              </a:defRPr>
+            </a:lvl7pPr>
+            <a:lvl8pPr marL="1657350" indent="-228600" algn="l" defTabSz="914400" rtl="0" eaLnBrk="1" latinLnBrk="0" hangingPunct="1">
+              <a:lnSpc>
+                <a:spcPct val="100000"/>
+              </a:lnSpc>
+              <a:spcBef>
+                <a:spcPts val="1000"/>
+              </a:spcBef>
+              <a:buClr>
+                <a:schemeClr val="accent2"/>
+              </a:buClr>
+              <a:buFont typeface="Arial" panose="020B0604020202020204" pitchFamily="34" charset="0"/>
+              <a:buChar char="•"/>
+              <a:defRPr sz="1600" kern="1200" baseline="0">
+                <a:solidFill>
+                  <a:schemeClr val="dk1">
+                    <a:hueOff val="0"/>
+                    <a:satOff val="0"/>
+                    <a:lumOff val="0"/>
+                    <a:alphaOff val="0"/>
+                  </a:schemeClr>
+                </a:solidFill>
+                <a:latin typeface="+mn-lt"/>
+                <a:ea typeface="+mn-ea"/>
+                <a:cs typeface="+mn-cs"/>
+              </a:defRPr>
+            </a:lvl8pPr>
+            <a:lvl9pPr marL="1882775" indent="-228600" algn="l" defTabSz="914400" rtl="0" eaLnBrk="1" latinLnBrk="0" hangingPunct="1">
+              <a:lnSpc>
+                <a:spcPct val="100000"/>
+              </a:lnSpc>
+              <a:spcBef>
+                <a:spcPts val="1000"/>
+              </a:spcBef>
+              <a:buClr>
+                <a:schemeClr val="accent2"/>
+              </a:buClr>
+              <a:buFont typeface="Arial" panose="020B0604020202020204" pitchFamily="34" charset="0"/>
+              <a:buChar char="•"/>
+              <a:defRPr sz="1600" kern="1200" baseline="0">
+                <a:solidFill>
+                  <a:schemeClr val="dk1">
+                    <a:hueOff val="0"/>
+                    <a:satOff val="0"/>
+                    <a:lumOff val="0"/>
+                    <a:alphaOff val="0"/>
+                  </a:schemeClr>
+                </a:solidFill>
+                <a:latin typeface="+mn-lt"/>
+                <a:ea typeface="+mn-ea"/>
+                <a:cs typeface="+mn-cs"/>
+              </a:defRPr>
+            </a:lvl9pPr>
+          </a:lstStyle>
+          <a:p>
+            <a:pPr marL="0" indent="0">
+              <a:buNone/>
+            </a:pPr>
+            <a:r>
+              <a:rPr lang="de-DE" sz="4800" dirty="0">
+                <a:solidFill>
+                  <a:srgbClr val="00B0F0"/>
+                </a:solidFill>
+              </a:rPr>
+              <a:t>Kennzahlen</a:t>
+            </a:r>
+          </a:p>
+        </p:txBody>
+      </p:sp>
+      <p:pic>
+        <p:nvPicPr>
+          <p:cNvPr id="13" name="Picture 12">
+            <a:extLst>
+              <a:ext uri="{FF2B5EF4-FFF2-40B4-BE49-F238E27FC236}">
+                <a16:creationId xmlns:a16="http://schemas.microsoft.com/office/drawing/2014/main" id="{EDF416E1-3968-40E2-9BEC-0D84A7D43E0A}"/>
+              </a:ext>
+            </a:extLst>
+          </p:cNvPr>
+          <p:cNvPicPr>
+            <a:picLocks noChangeAspect="1"/>
+          </p:cNvPicPr>
+          <p:nvPr/>
+        </p:nvPicPr>
+        <p:blipFill>
+          <a:blip r:embed="rId4"/>
+          <a:stretch>
+            <a:fillRect/>
+          </a:stretch>
+        </p:blipFill>
+        <p:spPr>
+          <a:xfrm>
+            <a:off x="0" y="1059543"/>
+            <a:ext cx="12192000" cy="5798457"/>
+          </a:xfrm>
+          <a:prstGeom prst="rect">
+            <a:avLst/>
+          </a:prstGeom>
+        </p:spPr>
+      </p:pic>
+      <p:sp>
+        <p:nvSpPr>
+          <p:cNvPr id="16" name="Flowchart: Process 15">
+            <a:extLst>
+              <a:ext uri="{FF2B5EF4-FFF2-40B4-BE49-F238E27FC236}">
+                <a16:creationId xmlns:a16="http://schemas.microsoft.com/office/drawing/2014/main" id="{7007DFBA-36A5-43E5-A535-E42BE8AD7184}"/>
+              </a:ext>
+            </a:extLst>
+          </p:cNvPr>
+          <p:cNvSpPr/>
+          <p:nvPr/>
+        </p:nvSpPr>
+        <p:spPr>
+          <a:xfrm>
+            <a:off x="6139543" y="5405320"/>
+            <a:ext cx="6008914" cy="1396375"/>
+          </a:xfrm>
+          <a:prstGeom prst="flowChartProcess">
+            <a:avLst/>
+          </a:prstGeom>
+          <a:noFill/>
+          <a:ln w="76200">
+            <a:solidFill>
+              <a:srgbClr val="FF0000"/>
+            </a:solidFill>
+          </a:ln>
+        </p:spPr>
+        <p:style>
+          <a:lnRef idx="2">
+            <a:schemeClr val="accent1">
+              <a:shade val="50000"/>
+            </a:schemeClr>
+          </a:lnRef>
+          <a:fillRef idx="1">
+            <a:schemeClr val="accent1"/>
+          </a:fillRef>
+          <a:effectRef idx="0">
+            <a:schemeClr val="accent1"/>
+          </a:effectRef>
+          <a:fontRef idx="minor">
+            <a:schemeClr val="lt1"/>
+          </a:fontRef>
+        </p:style>
+        <p:txBody>
+          <a:bodyPr rtlCol="0" anchor="ctr"/>
+          <a:lstStyle/>
+          <a:p>
+            <a:pPr algn="ctr"/>
+            <a:endParaRPr lang="de-AT"/>
+          </a:p>
+        </p:txBody>
+      </p:sp>
+      <p:sp>
+        <p:nvSpPr>
+          <p:cNvPr id="17" name="Flowchart: Process 16">
+            <a:extLst>
+              <a:ext uri="{FF2B5EF4-FFF2-40B4-BE49-F238E27FC236}">
+                <a16:creationId xmlns:a16="http://schemas.microsoft.com/office/drawing/2014/main" id="{C9C7DC23-4DC1-4B49-A8F6-7B7D9BE5E338}"/>
+              </a:ext>
+            </a:extLst>
+          </p:cNvPr>
+          <p:cNvSpPr/>
+          <p:nvPr/>
+        </p:nvSpPr>
+        <p:spPr>
+          <a:xfrm>
+            <a:off x="11508828" y="5657569"/>
+            <a:ext cx="594585" cy="207204"/>
+          </a:xfrm>
+          <a:prstGeom prst="flowChartProcess">
+            <a:avLst/>
+          </a:prstGeom>
+          <a:solidFill>
+            <a:srgbClr val="F7F8F7"/>
+          </a:solidFill>
+          <a:ln>
+            <a:noFill/>
+          </a:ln>
+        </p:spPr>
+        <p:style>
+          <a:lnRef idx="2">
+            <a:schemeClr val="accent1">
+              <a:shade val="50000"/>
+            </a:schemeClr>
+          </a:lnRef>
+          <a:fillRef idx="1">
+            <a:schemeClr val="accent1"/>
+          </a:fillRef>
+          <a:effectRef idx="0">
+            <a:schemeClr val="accent1"/>
+          </a:effectRef>
+          <a:fontRef idx="minor">
+            <a:schemeClr val="lt1"/>
+          </a:fontRef>
+        </p:style>
+        <p:txBody>
+          <a:bodyPr rtlCol="0" anchor="ctr"/>
+          <a:lstStyle/>
+          <a:p>
+            <a:pPr algn="ctr"/>
+            <a:endParaRPr lang="de-AT"/>
+          </a:p>
+        </p:txBody>
+      </p:sp>
+      <p:sp>
+        <p:nvSpPr>
+          <p:cNvPr id="18" name="Flowchart: Process 17">
+            <a:extLst>
+              <a:ext uri="{FF2B5EF4-FFF2-40B4-BE49-F238E27FC236}">
+                <a16:creationId xmlns:a16="http://schemas.microsoft.com/office/drawing/2014/main" id="{6CCA68ED-316C-4C59-B887-E358583D1FA6}"/>
+              </a:ext>
+            </a:extLst>
+          </p:cNvPr>
+          <p:cNvSpPr/>
+          <p:nvPr/>
+        </p:nvSpPr>
+        <p:spPr>
+          <a:xfrm>
+            <a:off x="11508827" y="6103507"/>
+            <a:ext cx="594585" cy="207204"/>
+          </a:xfrm>
+          <a:prstGeom prst="flowChartProcess">
+            <a:avLst/>
+          </a:prstGeom>
+          <a:solidFill>
+            <a:srgbClr val="F7F8F7"/>
+          </a:solidFill>
+          <a:ln>
+            <a:noFill/>
+          </a:ln>
+        </p:spPr>
+        <p:style>
+          <a:lnRef idx="2">
+            <a:schemeClr val="accent1">
+              <a:shade val="50000"/>
+            </a:schemeClr>
+          </a:lnRef>
+          <a:fillRef idx="1">
+            <a:schemeClr val="accent1"/>
+          </a:fillRef>
+          <a:effectRef idx="0">
+            <a:schemeClr val="accent1"/>
+          </a:effectRef>
+          <a:fontRef idx="minor">
+            <a:schemeClr val="lt1"/>
+          </a:fontRef>
+        </p:style>
+        <p:txBody>
+          <a:bodyPr rtlCol="0" anchor="ctr"/>
+          <a:lstStyle/>
+          <a:p>
+            <a:pPr algn="ctr"/>
+            <a:endParaRPr lang="de-AT"/>
+          </a:p>
+        </p:txBody>
+      </p:sp>
+      <p:sp>
+        <p:nvSpPr>
+          <p:cNvPr id="19" name="Flowchart: Process 18">
+            <a:extLst>
+              <a:ext uri="{FF2B5EF4-FFF2-40B4-BE49-F238E27FC236}">
+                <a16:creationId xmlns:a16="http://schemas.microsoft.com/office/drawing/2014/main" id="{2BD8A5BE-382A-4ECD-9DEA-9B0A83859ED9}"/>
+              </a:ext>
+            </a:extLst>
+          </p:cNvPr>
+          <p:cNvSpPr/>
+          <p:nvPr/>
+        </p:nvSpPr>
+        <p:spPr>
+          <a:xfrm>
+            <a:off x="11517837" y="6549445"/>
+            <a:ext cx="594585" cy="207204"/>
+          </a:xfrm>
+          <a:prstGeom prst="flowChartProcess">
+            <a:avLst/>
+          </a:prstGeom>
+          <a:solidFill>
+            <a:srgbClr val="F7F8F7"/>
+          </a:solidFill>
+          <a:ln>
+            <a:noFill/>
+          </a:ln>
+        </p:spPr>
+        <p:style>
+          <a:lnRef idx="2">
+            <a:schemeClr val="accent1">
+              <a:shade val="50000"/>
+            </a:schemeClr>
+          </a:lnRef>
+          <a:fillRef idx="1">
+            <a:schemeClr val="accent1"/>
+          </a:fillRef>
+          <a:effectRef idx="0">
+            <a:schemeClr val="accent1"/>
+          </a:effectRef>
+          <a:fontRef idx="minor">
+            <a:schemeClr val="lt1"/>
+          </a:fontRef>
+        </p:style>
+        <p:txBody>
+          <a:bodyPr rtlCol="0" anchor="ctr"/>
+          <a:lstStyle/>
+          <a:p>
+            <a:pPr algn="ctr"/>
+            <a:endParaRPr lang="de-AT"/>
+          </a:p>
+        </p:txBody>
+      </p:sp>
+      <p:sp>
+        <p:nvSpPr>
+          <p:cNvPr id="20" name="Flowchart: Process 19">
+            <a:extLst>
+              <a:ext uri="{FF2B5EF4-FFF2-40B4-BE49-F238E27FC236}">
+                <a16:creationId xmlns:a16="http://schemas.microsoft.com/office/drawing/2014/main" id="{CE4D7F7B-EE55-4805-A46D-F2556F7E4FC4}"/>
+              </a:ext>
+            </a:extLst>
+          </p:cNvPr>
+          <p:cNvSpPr/>
+          <p:nvPr/>
+        </p:nvSpPr>
+        <p:spPr>
+          <a:xfrm>
+            <a:off x="11508827" y="5880538"/>
+            <a:ext cx="594585" cy="207204"/>
+          </a:xfrm>
+          <a:prstGeom prst="flowChartProcess">
+            <a:avLst/>
+          </a:prstGeom>
+          <a:solidFill>
+            <a:srgbClr val="DEDEDE"/>
+          </a:solidFill>
+          <a:ln>
+            <a:noFill/>
+          </a:ln>
+        </p:spPr>
+        <p:style>
+          <a:lnRef idx="2">
+            <a:schemeClr val="accent1">
+              <a:shade val="50000"/>
+            </a:schemeClr>
+          </a:lnRef>
+          <a:fillRef idx="1">
+            <a:schemeClr val="accent1"/>
+          </a:fillRef>
+          <a:effectRef idx="0">
+            <a:schemeClr val="accent1"/>
+          </a:effectRef>
+          <a:fontRef idx="minor">
+            <a:schemeClr val="lt1"/>
+          </a:fontRef>
+        </p:style>
+        <p:txBody>
+          <a:bodyPr rtlCol="0" anchor="ctr"/>
+          <a:lstStyle/>
+          <a:p>
+            <a:pPr algn="ctr"/>
+            <a:endParaRPr lang="de-AT"/>
+          </a:p>
+        </p:txBody>
+      </p:sp>
+      <p:sp>
+        <p:nvSpPr>
+          <p:cNvPr id="21" name="Flowchart: Process 20">
+            <a:extLst>
+              <a:ext uri="{FF2B5EF4-FFF2-40B4-BE49-F238E27FC236}">
+                <a16:creationId xmlns:a16="http://schemas.microsoft.com/office/drawing/2014/main" id="{DD308E46-43BB-4D37-9A5A-F150540811FC}"/>
+              </a:ext>
+            </a:extLst>
+          </p:cNvPr>
+          <p:cNvSpPr/>
+          <p:nvPr/>
+        </p:nvSpPr>
+        <p:spPr>
+          <a:xfrm>
+            <a:off x="11517837" y="6328731"/>
+            <a:ext cx="594585" cy="207204"/>
+          </a:xfrm>
+          <a:prstGeom prst="flowChartProcess">
+            <a:avLst/>
+          </a:prstGeom>
+          <a:solidFill>
+            <a:srgbClr val="DEDEDE"/>
+          </a:solidFill>
+          <a:ln>
+            <a:noFill/>
+          </a:ln>
+        </p:spPr>
+        <p:style>
+          <a:lnRef idx="2">
+            <a:schemeClr val="accent1">
+              <a:shade val="50000"/>
+            </a:schemeClr>
+          </a:lnRef>
+          <a:fillRef idx="1">
+            <a:schemeClr val="accent1"/>
+          </a:fillRef>
+          <a:effectRef idx="0">
+            <a:schemeClr val="accent1"/>
+          </a:effectRef>
+          <a:fontRef idx="minor">
+            <a:schemeClr val="lt1"/>
+          </a:fontRef>
+        </p:style>
+        <p:txBody>
+          <a:bodyPr rtlCol="0" anchor="ctr"/>
+          <a:lstStyle/>
+          <a:p>
+            <a:pPr algn="ctr"/>
+            <a:endParaRPr lang="de-AT"/>
+          </a:p>
+        </p:txBody>
+      </p:sp>
+    </p:spTree>
+    <p:extLst>
+      <p:ext uri="{BB962C8B-B14F-4D97-AF65-F5344CB8AC3E}">
+        <p14:creationId xmlns:p14="http://schemas.microsoft.com/office/powerpoint/2010/main" val="3627519340"/>
+      </p:ext>
+    </p:extLst>
+  </p:cSld>
+  <p:clrMapOvr>
+    <a:masterClrMapping/>
+  </p:clrMapOvr>
+  <p:timing>
+    <p:tnLst>
+      <p:par>
+        <p:cTn id="1" dur="indefinite" restart="never" nodeType="tmRoot">
+          <p:childTnLst>
+            <p:seq concurrent="1" nextAc="seek">
+              <p:cTn id="2" dur="indefinite" nodeType="mainSeq">
+                <p:childTnLst>
+                  <p:par>
+                    <p:cTn id="3" fill="hold">
+                      <p:stCondLst>
+                        <p:cond delay="indefinite"/>
+                      </p:stCondLst>
+                      <p:childTnLst>
+                        <p:par>
+                          <p:cTn id="4" fill="hold">
+                            <p:stCondLst>
+                              <p:cond delay="0"/>
+                            </p:stCondLst>
+                            <p:childTnLst>
+                              <p:par>
+                                <p:cTn id="5" presetID="10" presetClass="entr" presetSubtype="0" fill="hold" grpId="0" nodeType="clickEffect">
+                                  <p:stCondLst>
+                                    <p:cond delay="0"/>
+                                  </p:stCondLst>
+                                  <p:childTnLst>
+                                    <p:set>
+                                      <p:cBhvr>
+                                        <p:cTn id="6" dur="1" fill="hold">
+                                          <p:stCondLst>
+                                            <p:cond delay="0"/>
+                                          </p:stCondLst>
+                                        </p:cTn>
+                                        <p:tgtEl>
+                                          <p:spTgt spid="16"/>
+                                        </p:tgtEl>
+                                        <p:attrNameLst>
+                                          <p:attrName>style.visibility</p:attrName>
+                                        </p:attrNameLst>
+                                      </p:cBhvr>
+                                      <p:to>
+                                        <p:strVal val="visible"/>
+                                      </p:to>
+                                    </p:set>
+                                    <p:animEffect transition="in" filter="fade">
+                                      <p:cBhvr>
+                                        <p:cTn id="7" dur="500"/>
+                                        <p:tgtEl>
+                                          <p:spTgt spid="16"/>
+                                        </p:tgtEl>
+                                      </p:cBhvr>
+                                    </p:animEffect>
+                                  </p:childTnLst>
+                                </p:cTn>
+                              </p:par>
+                            </p:childTnLst>
+                          </p:cTn>
+                        </p:par>
+                      </p:childTnLst>
+                    </p:cTn>
+                  </p:par>
+                </p:childTnLst>
+              </p:cTn>
+              <p:prevCondLst>
+                <p:cond evt="onPrev" delay="0">
+                  <p:tgtEl>
+                    <p:sldTgt/>
+                  </p:tgtEl>
+                </p:cond>
+              </p:prevCondLst>
+              <p:nextCondLst>
+                <p:cond evt="onNext" delay="0">
+                  <p:tgtEl>
+                    <p:sldTgt/>
+                  </p:tgtEl>
+                </p:cond>
+              </p:nextCondLst>
+            </p:seq>
+          </p:childTnLst>
+        </p:cTn>
+      </p:par>
+    </p:tnLst>
+    <p:bldLst>
+      <p:bldP spid="16" grpId="0" animBg="1"/>
+    </p:bldLst>
+  </p:timing>
+</p:sld>
+</file>
+
+<file path=ppt/slides/slide11.xml><?xml version="1.0" encoding="utf-8"?>
+<p:sld xmlns:a="http://schemas.openxmlformats.org/drawingml/2006/main" xmlns:r="http://schemas.openxmlformats.org/officeDocument/2006/relationships" xmlns:p="http://schemas.openxmlformats.org/presentationml/2006/main">
+  <p:cSld>
+    <p:bg>
+      <p:bgPr>
+        <a:solidFill>
+          <a:schemeClr val="bg1"/>
+        </a:solidFill>
+        <a:effectLst/>
+      </p:bgPr>
+    </p:bg>
+    <p:spTree>
+      <p:nvGrpSpPr>
+        <p:cNvPr id="1" name=""/>
+        <p:cNvGrpSpPr/>
+        <p:nvPr/>
+      </p:nvGrpSpPr>
+      <p:grpSpPr>
+        <a:xfrm>
+          <a:off x="0" y="0"/>
+          <a:ext cx="0" cy="0"/>
+          <a:chOff x="0" y="0"/>
+          <a:chExt cx="0" cy="0"/>
+        </a:xfrm>
+      </p:grpSpPr>
+      <p:sp useBgFill="1">
+        <p:nvSpPr>
+          <p:cNvPr id="10" name="Rectangle 9">
+            <a:extLst>
+              <a:ext uri="{FF2B5EF4-FFF2-40B4-BE49-F238E27FC236}">
+                <a16:creationId xmlns:a16="http://schemas.microsoft.com/office/drawing/2014/main" id="{93F0ADB5-A0B4-4B01-A8C4-FDC34CE22BD4}"/>
+              </a:ext>
+              <a:ext uri="{C183D7F6-B498-43B3-948B-1728B52AA6E4}">
+                <adec:decorative xmlns:adec="http://schemas.microsoft.com/office/drawing/2017/decorative" val="1"/>
+              </a:ext>
+            </a:extLst>
+          </p:cNvPr>
+          <p:cNvSpPr>
+            <a:spLocks noGrp="1" noRot="1" noChangeAspect="1" noMove="1" noResize="1" noEditPoints="1" noAdjustHandles="1" noChangeArrowheads="1" noChangeShapeType="1" noTextEdit="1"/>
+          </p:cNvSpPr>
+          <p:nvPr>
+            <p:extLst>
+              <p:ext uri="{386F3935-93C4-4BCD-93E2-E3B085C9AB24}">
+                <p16:designElem xmlns:p16="http://schemas.microsoft.com/office/powerpoint/2015/main" val="1"/>
+              </p:ext>
+            </p:extLst>
+          </p:nvPr>
+        </p:nvSpPr>
+        <p:spPr>
+          <a:xfrm>
+            <a:off x="0" y="0"/>
+            <a:ext cx="12191999" cy="6858000"/>
+          </a:xfrm>
+          <a:prstGeom prst="rect">
+            <a:avLst/>
+          </a:prstGeom>
+          <a:ln>
+            <a:noFill/>
+          </a:ln>
+        </p:spPr>
+        <p:style>
+          <a:lnRef idx="2">
+            <a:schemeClr val="accent1">
+              <a:shade val="50000"/>
+            </a:schemeClr>
+          </a:lnRef>
+          <a:fillRef idx="1">
+            <a:schemeClr val="accent1"/>
+          </a:fillRef>
+          <a:effectRef idx="0">
+            <a:schemeClr val="accent1"/>
+          </a:effectRef>
+          <a:fontRef idx="minor">
+            <a:schemeClr val="lt1"/>
+          </a:fontRef>
+        </p:style>
+        <p:txBody>
+          <a:bodyPr rtlCol="0" anchor="ctr"/>
+          <a:lstStyle/>
+          <a:p>
+            <a:pPr algn="ctr"/>
+            <a:endParaRPr lang="en-US" dirty="0"/>
+          </a:p>
+        </p:txBody>
+      </p:sp>
+      <p:sp>
+        <p:nvSpPr>
+          <p:cNvPr id="12" name="Rectangle 11">
+            <a:extLst>
+              <a:ext uri="{FF2B5EF4-FFF2-40B4-BE49-F238E27FC236}">
+                <a16:creationId xmlns:a16="http://schemas.microsoft.com/office/drawing/2014/main" id="{AA6D0FDE-0241-4C21-A720-A69475358235}"/>
+              </a:ext>
+              <a:ext uri="{C183D7F6-B498-43B3-948B-1728B52AA6E4}">
+                <adec:decorative xmlns:adec="http://schemas.microsoft.com/office/drawing/2017/decorative" val="1"/>
+              </a:ext>
+            </a:extLst>
+          </p:cNvPr>
+          <p:cNvSpPr>
+            <a:spLocks noGrp="1" noRot="1" noChangeAspect="1" noMove="1" noResize="1" noEditPoints="1" noAdjustHandles="1" noChangeArrowheads="1" noChangeShapeType="1" noTextEdit="1"/>
+          </p:cNvSpPr>
+          <p:nvPr>
+            <p:extLst>
+              <p:ext uri="{386F3935-93C4-4BCD-93E2-E3B085C9AB24}">
+                <p16:designElem xmlns:p16="http://schemas.microsoft.com/office/powerpoint/2015/main" val="1"/>
+              </p:ext>
+            </p:extLst>
+          </p:nvPr>
+        </p:nvSpPr>
+        <p:spPr>
+          <a:xfrm>
+            <a:off x="0" y="0"/>
+            <a:ext cx="4654296" cy="6858000"/>
+          </a:xfrm>
+          <a:prstGeom prst="rect">
+            <a:avLst/>
+          </a:prstGeom>
+          <a:solidFill>
+            <a:schemeClr val="tx1">
+              <a:lumMod val="95000"/>
+              <a:lumOff val="5000"/>
+            </a:schemeClr>
+          </a:solidFill>
+          <a:ln>
+            <a:noFill/>
+          </a:ln>
+        </p:spPr>
+        <p:style>
+          <a:lnRef idx="0">
+            <a:scrgbClr r="0" g="0" b="0"/>
+          </a:lnRef>
+          <a:fillRef idx="0">
+            <a:scrgbClr r="0" g="0" b="0"/>
+          </a:fillRef>
+          <a:effectRef idx="0">
+            <a:scrgbClr r="0" g="0" b="0"/>
+          </a:effectRef>
+          <a:fontRef idx="minor">
+            <a:schemeClr val="lt1"/>
+          </a:fontRef>
+        </p:style>
+        <p:txBody>
+          <a:bodyPr rtlCol="0" anchor="ctr"/>
+          <a:lstStyle/>
+          <a:p>
+            <a:pPr algn="ctr"/>
+            <a:endParaRPr lang="en-US" dirty="0"/>
+          </a:p>
+        </p:txBody>
+      </p:sp>
+      <p:sp>
+        <p:nvSpPr>
+          <p:cNvPr id="2" name="Title 1">
+            <a:extLst>
+              <a:ext uri="{FF2B5EF4-FFF2-40B4-BE49-F238E27FC236}">
+                <a16:creationId xmlns:a16="http://schemas.microsoft.com/office/drawing/2014/main" id="{9C9DE503-F7C2-4A40-83F4-4DE931E7D9DE}"/>
+              </a:ext>
+            </a:extLst>
+          </p:cNvPr>
+          <p:cNvSpPr>
+            <a:spLocks noGrp="1"/>
+          </p:cNvSpPr>
+          <p:nvPr>
+            <p:ph type="title"/>
+          </p:nvPr>
+        </p:nvSpPr>
+        <p:spPr>
+          <a:xfrm>
+            <a:off x="64981" y="178408"/>
+            <a:ext cx="3554665" cy="747897"/>
+          </a:xfrm>
+          <a:noFill/>
+          <a:ln>
+            <a:solidFill>
+              <a:schemeClr val="bg1"/>
+            </a:solidFill>
+          </a:ln>
+          <a:effectLst>
+            <a:glow rad="152400">
+              <a:schemeClr val="bg1">
+                <a:alpha val="13000"/>
+              </a:schemeClr>
+            </a:glow>
+          </a:effectLst>
+        </p:spPr>
+        <p:txBody>
+          <a:bodyPr wrap="square">
+            <a:normAutofit fontScale="90000"/>
+          </a:bodyPr>
+          <a:lstStyle/>
+          <a:p>
+            <a:r>
+              <a:rPr lang="en-US" dirty="0" err="1">
+                <a:solidFill>
+                  <a:schemeClr val="bg1"/>
+                </a:solidFill>
+              </a:rPr>
+              <a:t>Eigenschaften</a:t>
+            </a:r>
+            <a:endParaRPr lang="en-US" dirty="0">
+              <a:solidFill>
+                <a:schemeClr val="bg1"/>
+              </a:solidFill>
+            </a:endParaRPr>
+          </a:p>
+        </p:txBody>
+      </p:sp>
+      <p:pic>
+        <p:nvPicPr>
+          <p:cNvPr id="4" name="Picture 3" descr="Finance trade numbers">
+            <a:extLst>
+              <a:ext uri="{FF2B5EF4-FFF2-40B4-BE49-F238E27FC236}">
+                <a16:creationId xmlns:a16="http://schemas.microsoft.com/office/drawing/2014/main" id="{32F354A1-38C7-4598-A0E1-7A286A3019B8}"/>
+              </a:ext>
+            </a:extLst>
+          </p:cNvPr>
+          <p:cNvPicPr>
+            <a:picLocks noChangeAspect="1"/>
+          </p:cNvPicPr>
+          <p:nvPr/>
+        </p:nvPicPr>
+        <p:blipFill rotWithShape="1">
+          <a:blip r:embed="rId3" cstate="print">
+            <a:extLst>
+              <a:ext uri="{28A0092B-C50C-407E-A947-70E740481C1C}">
+                <a14:useLocalDpi xmlns:a14="http://schemas.microsoft.com/office/drawing/2010/main"/>
+              </a:ext>
+            </a:extLst>
+          </a:blip>
+          <a:srcRect/>
+          <a:stretch/>
+        </p:blipFill>
+        <p:spPr>
+          <a:xfrm>
+            <a:off x="1" y="0"/>
+            <a:ext cx="12193694" cy="6858000"/>
+          </a:xfrm>
+          <a:prstGeom prst="rect">
+            <a:avLst/>
+          </a:prstGeom>
+        </p:spPr>
+      </p:pic>
+      <p:sp>
+        <p:nvSpPr>
+          <p:cNvPr id="11" name="Content Placeholder 8">
+            <a:extLst>
+              <a:ext uri="{FF2B5EF4-FFF2-40B4-BE49-F238E27FC236}">
+                <a16:creationId xmlns:a16="http://schemas.microsoft.com/office/drawing/2014/main" id="{1ACCD635-FE16-435E-829F-7476FB1425D9}"/>
+              </a:ext>
+            </a:extLst>
+          </p:cNvPr>
+          <p:cNvSpPr txBox="1">
+            <a:spLocks/>
+          </p:cNvSpPr>
+          <p:nvPr/>
+        </p:nvSpPr>
+        <p:spPr>
+          <a:xfrm>
+            <a:off x="-1696" y="0"/>
+            <a:ext cx="12193696" cy="926305"/>
+          </a:xfrm>
+          <a:prstGeom prst="rect">
+            <a:avLst/>
+          </a:prstGeom>
+          <a:solidFill>
+            <a:schemeClr val="tx1">
+              <a:alpha val="70000"/>
+            </a:schemeClr>
+          </a:solidFill>
+        </p:spPr>
+        <p:style>
+          <a:lnRef idx="0">
+            <a:schemeClr val="dk1">
+              <a:hueOff val="0"/>
+              <a:satOff val="0"/>
+              <a:lumOff val="0"/>
+              <a:alphaOff val="0"/>
+            </a:schemeClr>
+          </a:lnRef>
+          <a:fillRef idx="1">
+            <a:scrgbClr r="0" g="0" b="0"/>
+          </a:fillRef>
+          <a:effectRef idx="2">
+            <a:schemeClr val="bg1">
+              <a:lumMod val="95000"/>
+              <a:hueOff val="0"/>
+              <a:satOff val="0"/>
+              <a:lumOff val="0"/>
+              <a:alphaOff val="0"/>
+            </a:schemeClr>
+          </a:effectRef>
+          <a:fontRef idx="minor">
+            <a:schemeClr val="dk1">
+              <a:hueOff val="0"/>
+              <a:satOff val="0"/>
+              <a:lumOff val="0"/>
+              <a:alphaOff val="0"/>
+            </a:schemeClr>
+          </a:fontRef>
+        </p:style>
+        <p:txBody>
+          <a:bodyPr vert="horz" lIns="91440" tIns="45720" rIns="91440" bIns="45720" rtlCol="0">
+            <a:normAutofit/>
+          </a:bodyPr>
+          <a:lstStyle>
+            <a:lvl1pPr marL="228600" indent="-228600" algn="l" defTabSz="914400" rtl="0" eaLnBrk="1" latinLnBrk="0" hangingPunct="1">
+              <a:lnSpc>
+                <a:spcPct val="100000"/>
+              </a:lnSpc>
+              <a:spcBef>
+                <a:spcPts val="1000"/>
+              </a:spcBef>
+              <a:buClr>
+                <a:schemeClr val="accent2"/>
+              </a:buClr>
+              <a:buFont typeface="Arial" panose="020B0604020202020204" pitchFamily="34" charset="0"/>
+              <a:buChar char="•"/>
+              <a:defRPr sz="1800" kern="1200">
+                <a:solidFill>
+                  <a:schemeClr val="dk1">
+                    <a:hueOff val="0"/>
+                    <a:satOff val="0"/>
+                    <a:lumOff val="0"/>
+                    <a:alphaOff val="0"/>
+                  </a:schemeClr>
+                </a:solidFill>
+                <a:latin typeface="+mn-lt"/>
+                <a:ea typeface="+mn-ea"/>
+                <a:cs typeface="+mn-cs"/>
+              </a:defRPr>
+            </a:lvl1pPr>
+            <a:lvl2pPr marL="457200" indent="-228600" algn="l" defTabSz="914400" rtl="0" eaLnBrk="1" latinLnBrk="0" hangingPunct="1">
+              <a:lnSpc>
+                <a:spcPct val="100000"/>
+              </a:lnSpc>
+              <a:spcBef>
+                <a:spcPts val="1000"/>
+              </a:spcBef>
+              <a:buClr>
+                <a:schemeClr val="accent2"/>
+              </a:buClr>
+              <a:buFont typeface="Arial" panose="020B0604020202020204" pitchFamily="34" charset="0"/>
+              <a:buChar char="•"/>
+              <a:defRPr sz="1600" kern="1200">
+                <a:solidFill>
+                  <a:schemeClr val="dk1">
+                    <a:hueOff val="0"/>
+                    <a:satOff val="0"/>
+                    <a:lumOff val="0"/>
+                    <a:alphaOff val="0"/>
+                  </a:schemeClr>
+                </a:solidFill>
+                <a:latin typeface="+mn-lt"/>
+                <a:ea typeface="+mn-ea"/>
+                <a:cs typeface="+mn-cs"/>
+              </a:defRPr>
+            </a:lvl2pPr>
+            <a:lvl3pPr marL="685800" indent="-228600" algn="l" defTabSz="914400" rtl="0" eaLnBrk="1" latinLnBrk="0" hangingPunct="1">
+              <a:lnSpc>
+                <a:spcPct val="100000"/>
+              </a:lnSpc>
+              <a:spcBef>
+                <a:spcPts val="1000"/>
+              </a:spcBef>
+              <a:buClr>
+                <a:schemeClr val="accent2"/>
+              </a:buClr>
+              <a:buFont typeface="Arial" panose="020B0604020202020204" pitchFamily="34" charset="0"/>
+              <a:buChar char="•"/>
+              <a:defRPr sz="1600" kern="1200">
+                <a:solidFill>
+                  <a:schemeClr val="dk1">
+                    <a:hueOff val="0"/>
+                    <a:satOff val="0"/>
+                    <a:lumOff val="0"/>
+                    <a:alphaOff val="0"/>
+                  </a:schemeClr>
+                </a:solidFill>
+                <a:latin typeface="+mn-lt"/>
+                <a:ea typeface="+mn-ea"/>
+                <a:cs typeface="+mn-cs"/>
+              </a:defRPr>
+            </a:lvl3pPr>
+            <a:lvl4pPr marL="914400" indent="-228600" algn="l" defTabSz="914400" rtl="0" eaLnBrk="1" latinLnBrk="0" hangingPunct="1">
+              <a:lnSpc>
+                <a:spcPct val="100000"/>
+              </a:lnSpc>
+              <a:spcBef>
+                <a:spcPts val="1000"/>
+              </a:spcBef>
+              <a:buClr>
+                <a:schemeClr val="accent2"/>
+              </a:buClr>
+              <a:buFont typeface="Arial" panose="020B0604020202020204" pitchFamily="34" charset="0"/>
+              <a:buChar char="•"/>
+              <a:defRPr sz="1600" kern="1200">
+                <a:solidFill>
+                  <a:schemeClr val="dk1">
+                    <a:hueOff val="0"/>
+                    <a:satOff val="0"/>
+                    <a:lumOff val="0"/>
+                    <a:alphaOff val="0"/>
+                  </a:schemeClr>
+                </a:solidFill>
+                <a:latin typeface="+mn-lt"/>
+                <a:ea typeface="+mn-ea"/>
+                <a:cs typeface="+mn-cs"/>
+              </a:defRPr>
+            </a:lvl4pPr>
+            <a:lvl5pPr marL="1143000" indent="-228600" algn="l" defTabSz="914400" rtl="0" eaLnBrk="1" latinLnBrk="0" hangingPunct="1">
+              <a:lnSpc>
+                <a:spcPct val="100000"/>
+              </a:lnSpc>
+              <a:spcBef>
+                <a:spcPts val="1000"/>
+              </a:spcBef>
+              <a:buClr>
+                <a:schemeClr val="accent2"/>
+              </a:buClr>
+              <a:buFont typeface="Arial" panose="020B0604020202020204" pitchFamily="34" charset="0"/>
+              <a:buChar char="•"/>
+              <a:defRPr sz="1600" kern="1200">
+                <a:solidFill>
+                  <a:schemeClr val="dk1">
+                    <a:hueOff val="0"/>
+                    <a:satOff val="0"/>
+                    <a:lumOff val="0"/>
+                    <a:alphaOff val="0"/>
+                  </a:schemeClr>
+                </a:solidFill>
+                <a:latin typeface="+mn-lt"/>
+                <a:ea typeface="+mn-ea"/>
+                <a:cs typeface="+mn-cs"/>
+              </a:defRPr>
+            </a:lvl5pPr>
+            <a:lvl6pPr marL="1312863" indent="-228600" algn="l" defTabSz="914400" rtl="0" eaLnBrk="1" latinLnBrk="0" hangingPunct="1">
+              <a:lnSpc>
+                <a:spcPct val="100000"/>
+              </a:lnSpc>
+              <a:spcBef>
+                <a:spcPts val="1000"/>
+              </a:spcBef>
+              <a:buClr>
+                <a:schemeClr val="accent2"/>
+              </a:buClr>
+              <a:buFont typeface="Arial" panose="020B0604020202020204" pitchFamily="34" charset="0"/>
+              <a:buChar char="•"/>
+              <a:defRPr sz="1600" kern="1200">
+                <a:solidFill>
+                  <a:schemeClr val="dk1">
+                    <a:hueOff val="0"/>
+                    <a:satOff val="0"/>
+                    <a:lumOff val="0"/>
+                    <a:alphaOff val="0"/>
+                  </a:schemeClr>
+                </a:solidFill>
+                <a:latin typeface="+mn-lt"/>
+                <a:ea typeface="+mn-ea"/>
+                <a:cs typeface="+mn-cs"/>
+              </a:defRPr>
+            </a:lvl6pPr>
+            <a:lvl7pPr marL="1484313" indent="-228600" algn="l" defTabSz="914400" rtl="0" eaLnBrk="1" latinLnBrk="0" hangingPunct="1">
+              <a:lnSpc>
+                <a:spcPct val="100000"/>
+              </a:lnSpc>
+              <a:spcBef>
+                <a:spcPts val="1000"/>
+              </a:spcBef>
+              <a:buClr>
+                <a:schemeClr val="accent2"/>
+              </a:buClr>
+              <a:buFont typeface="Arial" panose="020B0604020202020204" pitchFamily="34" charset="0"/>
+              <a:buChar char="•"/>
+              <a:defRPr sz="1600" kern="1200">
+                <a:solidFill>
+                  <a:schemeClr val="dk1">
+                    <a:hueOff val="0"/>
+                    <a:satOff val="0"/>
+                    <a:lumOff val="0"/>
+                    <a:alphaOff val="0"/>
+                  </a:schemeClr>
+                </a:solidFill>
+                <a:latin typeface="+mn-lt"/>
+                <a:ea typeface="+mn-ea"/>
+                <a:cs typeface="+mn-cs"/>
+              </a:defRPr>
+            </a:lvl7pPr>
+            <a:lvl8pPr marL="1657350" indent="-228600" algn="l" defTabSz="914400" rtl="0" eaLnBrk="1" latinLnBrk="0" hangingPunct="1">
+              <a:lnSpc>
+                <a:spcPct val="100000"/>
+              </a:lnSpc>
+              <a:spcBef>
+                <a:spcPts val="1000"/>
+              </a:spcBef>
+              <a:buClr>
+                <a:schemeClr val="accent2"/>
+              </a:buClr>
+              <a:buFont typeface="Arial" panose="020B0604020202020204" pitchFamily="34" charset="0"/>
+              <a:buChar char="•"/>
+              <a:defRPr sz="1600" kern="1200" baseline="0">
+                <a:solidFill>
+                  <a:schemeClr val="dk1">
+                    <a:hueOff val="0"/>
+                    <a:satOff val="0"/>
+                    <a:lumOff val="0"/>
+                    <a:alphaOff val="0"/>
+                  </a:schemeClr>
+                </a:solidFill>
+                <a:latin typeface="+mn-lt"/>
+                <a:ea typeface="+mn-ea"/>
+                <a:cs typeface="+mn-cs"/>
+              </a:defRPr>
+            </a:lvl8pPr>
+            <a:lvl9pPr marL="1882775" indent="-228600" algn="l" defTabSz="914400" rtl="0" eaLnBrk="1" latinLnBrk="0" hangingPunct="1">
+              <a:lnSpc>
+                <a:spcPct val="100000"/>
+              </a:lnSpc>
+              <a:spcBef>
+                <a:spcPts val="1000"/>
+              </a:spcBef>
+              <a:buClr>
+                <a:schemeClr val="accent2"/>
+              </a:buClr>
+              <a:buFont typeface="Arial" panose="020B0604020202020204" pitchFamily="34" charset="0"/>
+              <a:buChar char="•"/>
+              <a:defRPr sz="1600" kern="1200" baseline="0">
+                <a:solidFill>
+                  <a:schemeClr val="dk1">
+                    <a:hueOff val="0"/>
+                    <a:satOff val="0"/>
+                    <a:lumOff val="0"/>
+                    <a:alphaOff val="0"/>
+                  </a:schemeClr>
+                </a:solidFill>
+                <a:latin typeface="+mn-lt"/>
+                <a:ea typeface="+mn-ea"/>
+                <a:cs typeface="+mn-cs"/>
+              </a:defRPr>
+            </a:lvl9pPr>
+          </a:lstStyle>
+          <a:p>
+            <a:pPr marL="0" indent="0">
+              <a:buNone/>
+            </a:pPr>
+            <a:r>
+              <a:rPr lang="de-DE" sz="4800" dirty="0">
+                <a:solidFill>
+                  <a:srgbClr val="00B0F0"/>
+                </a:solidFill>
+              </a:rPr>
+              <a:t>Kennzahlen</a:t>
+            </a:r>
+          </a:p>
+        </p:txBody>
+      </p:sp>
+      <p:pic>
+        <p:nvPicPr>
+          <p:cNvPr id="5" name="Picture 4">
+            <a:extLst>
+              <a:ext uri="{FF2B5EF4-FFF2-40B4-BE49-F238E27FC236}">
+                <a16:creationId xmlns:a16="http://schemas.microsoft.com/office/drawing/2014/main" id="{30D5CE8C-9ED6-4688-A2B6-978C5CBE916C}"/>
+              </a:ext>
+            </a:extLst>
+          </p:cNvPr>
+          <p:cNvPicPr>
+            <a:picLocks noChangeAspect="1"/>
+          </p:cNvPicPr>
+          <p:nvPr/>
+        </p:nvPicPr>
+        <p:blipFill>
+          <a:blip r:embed="rId4"/>
+          <a:stretch>
+            <a:fillRect/>
+          </a:stretch>
+        </p:blipFill>
+        <p:spPr>
+          <a:xfrm>
+            <a:off x="50605" y="1612587"/>
+            <a:ext cx="12083293" cy="3630573"/>
+          </a:xfrm>
+          <a:prstGeom prst="rect">
+            <a:avLst/>
+          </a:prstGeom>
+        </p:spPr>
+      </p:pic>
+      <p:sp>
+        <p:nvSpPr>
+          <p:cNvPr id="6" name="Rectangle 5">
+            <a:extLst>
+              <a:ext uri="{FF2B5EF4-FFF2-40B4-BE49-F238E27FC236}">
+                <a16:creationId xmlns:a16="http://schemas.microsoft.com/office/drawing/2014/main" id="{D2B5C5E0-989D-4DA1-91D1-BCC9209FA045}"/>
+              </a:ext>
+            </a:extLst>
+          </p:cNvPr>
+          <p:cNvSpPr/>
+          <p:nvPr/>
+        </p:nvSpPr>
+        <p:spPr>
+          <a:xfrm>
+            <a:off x="10481817" y="2288252"/>
+            <a:ext cx="1414392" cy="405399"/>
+          </a:xfrm>
+          <a:prstGeom prst="rect">
+            <a:avLst/>
+          </a:prstGeom>
+          <a:solidFill>
+            <a:srgbClr val="F9F8F7"/>
+          </a:solidFill>
+          <a:ln>
+            <a:noFill/>
+          </a:ln>
+        </p:spPr>
+        <p:style>
+          <a:lnRef idx="2">
+            <a:schemeClr val="accent1">
+              <a:shade val="50000"/>
+            </a:schemeClr>
+          </a:lnRef>
+          <a:fillRef idx="1">
+            <a:schemeClr val="accent1"/>
+          </a:fillRef>
+          <a:effectRef idx="0">
+            <a:schemeClr val="accent1"/>
+          </a:effectRef>
+          <a:fontRef idx="minor">
+            <a:schemeClr val="lt1"/>
+          </a:fontRef>
+        </p:style>
+        <p:txBody>
+          <a:bodyPr rtlCol="0" anchor="ctr"/>
+          <a:lstStyle/>
+          <a:p>
+            <a:pPr algn="ctr"/>
+            <a:endParaRPr lang="de-AT" dirty="0"/>
+          </a:p>
+        </p:txBody>
+      </p:sp>
+      <p:sp>
+        <p:nvSpPr>
+          <p:cNvPr id="14" name="Rectangle 13">
+            <a:extLst>
+              <a:ext uri="{FF2B5EF4-FFF2-40B4-BE49-F238E27FC236}">
+                <a16:creationId xmlns:a16="http://schemas.microsoft.com/office/drawing/2014/main" id="{31B936F4-14E6-409F-B8E0-1C35C2508F3B}"/>
+              </a:ext>
+            </a:extLst>
+          </p:cNvPr>
+          <p:cNvSpPr/>
+          <p:nvPr/>
+        </p:nvSpPr>
+        <p:spPr>
+          <a:xfrm>
+            <a:off x="10481817" y="3450771"/>
+            <a:ext cx="1414392" cy="405399"/>
+          </a:xfrm>
+          <a:prstGeom prst="rect">
+            <a:avLst/>
+          </a:prstGeom>
+          <a:solidFill>
+            <a:srgbClr val="F9F8F7"/>
+          </a:solidFill>
+          <a:ln>
+            <a:noFill/>
+          </a:ln>
+        </p:spPr>
+        <p:style>
+          <a:lnRef idx="2">
+            <a:schemeClr val="accent1">
+              <a:shade val="50000"/>
+            </a:schemeClr>
+          </a:lnRef>
+          <a:fillRef idx="1">
+            <a:schemeClr val="accent1"/>
+          </a:fillRef>
+          <a:effectRef idx="0">
+            <a:schemeClr val="accent1"/>
+          </a:effectRef>
+          <a:fontRef idx="minor">
+            <a:schemeClr val="lt1"/>
+          </a:fontRef>
+        </p:style>
+        <p:txBody>
+          <a:bodyPr rtlCol="0" anchor="ctr"/>
+          <a:lstStyle/>
+          <a:p>
+            <a:pPr algn="ctr"/>
+            <a:endParaRPr lang="de-AT" dirty="0"/>
+          </a:p>
+        </p:txBody>
+      </p:sp>
+      <p:sp>
+        <p:nvSpPr>
+          <p:cNvPr id="15" name="Rectangle 14">
+            <a:extLst>
+              <a:ext uri="{FF2B5EF4-FFF2-40B4-BE49-F238E27FC236}">
+                <a16:creationId xmlns:a16="http://schemas.microsoft.com/office/drawing/2014/main" id="{887EA860-9AFE-42E9-9953-84D7BA4EA60D}"/>
+              </a:ext>
+            </a:extLst>
+          </p:cNvPr>
+          <p:cNvSpPr/>
+          <p:nvPr/>
+        </p:nvSpPr>
+        <p:spPr>
+          <a:xfrm>
+            <a:off x="10481817" y="4604281"/>
+            <a:ext cx="1414392" cy="405399"/>
+          </a:xfrm>
+          <a:prstGeom prst="rect">
+            <a:avLst/>
+          </a:prstGeom>
+          <a:solidFill>
+            <a:srgbClr val="F9F8F7"/>
+          </a:solidFill>
+          <a:ln>
+            <a:noFill/>
+          </a:ln>
+        </p:spPr>
+        <p:style>
+          <a:lnRef idx="2">
+            <a:schemeClr val="accent1">
+              <a:shade val="50000"/>
+            </a:schemeClr>
+          </a:lnRef>
+          <a:fillRef idx="1">
+            <a:schemeClr val="accent1"/>
+          </a:fillRef>
+          <a:effectRef idx="0">
+            <a:schemeClr val="accent1"/>
+          </a:effectRef>
+          <a:fontRef idx="minor">
+            <a:schemeClr val="lt1"/>
+          </a:fontRef>
+        </p:style>
+        <p:txBody>
+          <a:bodyPr rtlCol="0" anchor="ctr"/>
+          <a:lstStyle/>
+          <a:p>
+            <a:pPr algn="ctr"/>
+            <a:endParaRPr lang="de-AT" dirty="0"/>
+          </a:p>
+        </p:txBody>
+      </p:sp>
+      <p:sp>
+        <p:nvSpPr>
+          <p:cNvPr id="17" name="Rectangle 16">
+            <a:extLst>
+              <a:ext uri="{FF2B5EF4-FFF2-40B4-BE49-F238E27FC236}">
+                <a16:creationId xmlns:a16="http://schemas.microsoft.com/office/drawing/2014/main" id="{514D26DC-B589-46C3-84FE-D253943F6BC2}"/>
+              </a:ext>
+            </a:extLst>
+          </p:cNvPr>
+          <p:cNvSpPr/>
+          <p:nvPr/>
+        </p:nvSpPr>
+        <p:spPr>
+          <a:xfrm>
+            <a:off x="10481817" y="2892972"/>
+            <a:ext cx="1414392" cy="405399"/>
+          </a:xfrm>
+          <a:prstGeom prst="rect">
+            <a:avLst/>
+          </a:prstGeom>
+          <a:solidFill>
+            <a:srgbClr val="DEDEDE"/>
+          </a:solidFill>
+          <a:ln>
+            <a:noFill/>
+          </a:ln>
+        </p:spPr>
+        <p:style>
+          <a:lnRef idx="2">
+            <a:schemeClr val="accent1">
+              <a:shade val="50000"/>
+            </a:schemeClr>
+          </a:lnRef>
+          <a:fillRef idx="1">
+            <a:schemeClr val="accent1"/>
+          </a:fillRef>
+          <a:effectRef idx="0">
+            <a:schemeClr val="accent1"/>
+          </a:effectRef>
+          <a:fontRef idx="minor">
+            <a:schemeClr val="lt1"/>
+          </a:fontRef>
+        </p:style>
+        <p:txBody>
+          <a:bodyPr rtlCol="0" anchor="ctr"/>
+          <a:lstStyle/>
+          <a:p>
+            <a:pPr algn="ctr"/>
+            <a:endParaRPr lang="de-AT" dirty="0"/>
+          </a:p>
+        </p:txBody>
+      </p:sp>
+      <p:sp>
+        <p:nvSpPr>
+          <p:cNvPr id="18" name="Rectangle 17">
+            <a:extLst>
+              <a:ext uri="{FF2B5EF4-FFF2-40B4-BE49-F238E27FC236}">
+                <a16:creationId xmlns:a16="http://schemas.microsoft.com/office/drawing/2014/main" id="{40CE0D83-25EE-4C48-8E44-AF0210E1A26A}"/>
+              </a:ext>
+            </a:extLst>
+          </p:cNvPr>
+          <p:cNvSpPr/>
+          <p:nvPr/>
+        </p:nvSpPr>
+        <p:spPr>
+          <a:xfrm>
+            <a:off x="10481817" y="4055491"/>
+            <a:ext cx="1414392" cy="405399"/>
+          </a:xfrm>
+          <a:prstGeom prst="rect">
+            <a:avLst/>
+          </a:prstGeom>
+          <a:solidFill>
+            <a:srgbClr val="DEDEDE"/>
+          </a:solidFill>
+          <a:ln>
+            <a:noFill/>
+          </a:ln>
+        </p:spPr>
+        <p:style>
+          <a:lnRef idx="2">
+            <a:schemeClr val="accent1">
+              <a:shade val="50000"/>
+            </a:schemeClr>
+          </a:lnRef>
+          <a:fillRef idx="1">
+            <a:schemeClr val="accent1"/>
+          </a:fillRef>
+          <a:effectRef idx="0">
+            <a:schemeClr val="accent1"/>
+          </a:effectRef>
+          <a:fontRef idx="minor">
+            <a:schemeClr val="lt1"/>
+          </a:fontRef>
+        </p:style>
+        <p:txBody>
+          <a:bodyPr rtlCol="0" anchor="ctr"/>
+          <a:lstStyle/>
+          <a:p>
+            <a:pPr algn="ctr"/>
+            <a:endParaRPr lang="de-AT" dirty="0"/>
+          </a:p>
+        </p:txBody>
+      </p:sp>
+    </p:spTree>
+    <p:extLst>
+      <p:ext uri="{BB962C8B-B14F-4D97-AF65-F5344CB8AC3E}">
+        <p14:creationId xmlns:p14="http://schemas.microsoft.com/office/powerpoint/2010/main" val="2157349673"/>
+      </p:ext>
+    </p:extLst>
+  </p:cSld>
+  <p:clrMapOvr>
+    <a:masterClrMapping/>
+  </p:clrMapOvr>
+  <p:timing>
+    <p:tnLst>
+      <p:par>
+        <p:cTn id="1" dur="indefinite" restart="never" nodeType="tmRoot">
+          <p:childTnLst>
+            <p:seq concurrent="1" nextAc="seek">
+              <p:cTn id="2" dur="indefinite" nodeType="mainSeq">
+                <p:childTnLst>
+                  <p:par>
+                    <p:cTn id="3" fill="hold">
+                      <p:stCondLst>
+                        <p:cond delay="indefinite"/>
+                      </p:stCondLst>
+                      <p:childTnLst>
+                        <p:par>
+                          <p:cTn id="4" fill="hold">
+                            <p:stCondLst>
+                              <p:cond delay="0"/>
+                            </p:stCondLst>
+                            <p:childTnLst>
+                              <p:par>
+                                <p:cTn id="5" presetID="10" presetClass="exit" presetSubtype="0" fill="hold" grpId="0" nodeType="clickEffect">
+                                  <p:stCondLst>
+                                    <p:cond delay="0"/>
+                                  </p:stCondLst>
+                                  <p:childTnLst>
+                                    <p:animEffect transition="out" filter="fade">
+                                      <p:cBhvr>
+                                        <p:cTn id="6" dur="500"/>
+                                        <p:tgtEl>
+                                          <p:spTgt spid="15"/>
+                                        </p:tgtEl>
+                                      </p:cBhvr>
+                                    </p:animEffect>
+                                    <p:set>
+                                      <p:cBhvr>
+                                        <p:cTn id="7" dur="1" fill="hold">
+                                          <p:stCondLst>
+                                            <p:cond delay="499"/>
+                                          </p:stCondLst>
+                                        </p:cTn>
+                                        <p:tgtEl>
+                                          <p:spTgt spid="15"/>
+                                        </p:tgtEl>
+                                        <p:attrNameLst>
+                                          <p:attrName>style.visibility</p:attrName>
+                                        </p:attrNameLst>
+                                      </p:cBhvr>
+                                      <p:to>
+                                        <p:strVal val="hidden"/>
+                                      </p:to>
+                                    </p:set>
+                                  </p:childTnLst>
+                                </p:cTn>
+                              </p:par>
+                            </p:childTnLst>
+                          </p:cTn>
+                        </p:par>
+                      </p:childTnLst>
+                    </p:cTn>
+                  </p:par>
+                  <p:par>
+                    <p:cTn id="8" fill="hold">
+                      <p:stCondLst>
+                        <p:cond delay="indefinite"/>
+                      </p:stCondLst>
+                      <p:childTnLst>
+                        <p:par>
+                          <p:cTn id="9" fill="hold">
+                            <p:stCondLst>
+                              <p:cond delay="0"/>
+                            </p:stCondLst>
+                            <p:childTnLst>
+                              <p:par>
+                                <p:cTn id="10" presetID="10" presetClass="exit" presetSubtype="0" fill="hold" grpId="0" nodeType="clickEffect">
+                                  <p:stCondLst>
+                                    <p:cond delay="0"/>
+                                  </p:stCondLst>
+                                  <p:childTnLst>
+                                    <p:animEffect transition="out" filter="fade">
+                                      <p:cBhvr>
+                                        <p:cTn id="11" dur="500"/>
+                                        <p:tgtEl>
+                                          <p:spTgt spid="18"/>
+                                        </p:tgtEl>
+                                      </p:cBhvr>
+                                    </p:animEffect>
+                                    <p:set>
+                                      <p:cBhvr>
+                                        <p:cTn id="12" dur="1" fill="hold">
+                                          <p:stCondLst>
+                                            <p:cond delay="499"/>
+                                          </p:stCondLst>
+                                        </p:cTn>
+                                        <p:tgtEl>
+                                          <p:spTgt spid="18"/>
+                                        </p:tgtEl>
+                                        <p:attrNameLst>
+                                          <p:attrName>style.visibility</p:attrName>
+                                        </p:attrNameLst>
+                                      </p:cBhvr>
+                                      <p:to>
+                                        <p:strVal val="hidden"/>
+                                      </p:to>
+                                    </p:set>
+                                  </p:childTnLst>
+                                </p:cTn>
+                              </p:par>
+                            </p:childTnLst>
+                          </p:cTn>
+                        </p:par>
+                      </p:childTnLst>
+                    </p:cTn>
+                  </p:par>
+                  <p:par>
+                    <p:cTn id="13" fill="hold">
+                      <p:stCondLst>
+                        <p:cond delay="indefinite"/>
+                      </p:stCondLst>
+                      <p:childTnLst>
+                        <p:par>
+                          <p:cTn id="14" fill="hold">
+                            <p:stCondLst>
+                              <p:cond delay="0"/>
+                            </p:stCondLst>
+                            <p:childTnLst>
+                              <p:par>
+                                <p:cTn id="15" presetID="10" presetClass="exit" presetSubtype="0" fill="hold" grpId="0" nodeType="clickEffect">
+                                  <p:stCondLst>
+                                    <p:cond delay="0"/>
+                                  </p:stCondLst>
+                                  <p:childTnLst>
+                                    <p:animEffect transition="out" filter="fade">
+                                      <p:cBhvr>
+                                        <p:cTn id="16" dur="500"/>
+                                        <p:tgtEl>
+                                          <p:spTgt spid="14"/>
+                                        </p:tgtEl>
+                                      </p:cBhvr>
+                                    </p:animEffect>
+                                    <p:set>
+                                      <p:cBhvr>
+                                        <p:cTn id="17" dur="1" fill="hold">
+                                          <p:stCondLst>
+                                            <p:cond delay="499"/>
+                                          </p:stCondLst>
+                                        </p:cTn>
+                                        <p:tgtEl>
+                                          <p:spTgt spid="14"/>
+                                        </p:tgtEl>
+                                        <p:attrNameLst>
+                                          <p:attrName>style.visibility</p:attrName>
+                                        </p:attrNameLst>
+                                      </p:cBhvr>
+                                      <p:to>
+                                        <p:strVal val="hidden"/>
+                                      </p:to>
+                                    </p:set>
+                                  </p:childTnLst>
+                                </p:cTn>
+                              </p:par>
+                              <p:par>
+                                <p:cTn id="18" presetID="10" presetClass="exit" presetSubtype="0" fill="hold" grpId="0" nodeType="withEffect">
+                                  <p:stCondLst>
+                                    <p:cond delay="0"/>
+                                  </p:stCondLst>
+                                  <p:childTnLst>
+                                    <p:animEffect transition="out" filter="fade">
+                                      <p:cBhvr>
+                                        <p:cTn id="19" dur="500"/>
+                                        <p:tgtEl>
+                                          <p:spTgt spid="17"/>
+                                        </p:tgtEl>
+                                      </p:cBhvr>
+                                    </p:animEffect>
+                                    <p:set>
+                                      <p:cBhvr>
+                                        <p:cTn id="20" dur="1" fill="hold">
+                                          <p:stCondLst>
+                                            <p:cond delay="499"/>
+                                          </p:stCondLst>
+                                        </p:cTn>
+                                        <p:tgtEl>
+                                          <p:spTgt spid="17"/>
+                                        </p:tgtEl>
+                                        <p:attrNameLst>
+                                          <p:attrName>style.visibility</p:attrName>
+                                        </p:attrNameLst>
+                                      </p:cBhvr>
+                                      <p:to>
+                                        <p:strVal val="hidden"/>
+                                      </p:to>
+                                    </p:set>
+                                  </p:childTnLst>
+                                </p:cTn>
+                              </p:par>
+                            </p:childTnLst>
+                          </p:cTn>
+                        </p:par>
+                      </p:childTnLst>
+                    </p:cTn>
+                  </p:par>
+                  <p:par>
+                    <p:cTn id="21" fill="hold">
+                      <p:stCondLst>
+                        <p:cond delay="indefinite"/>
+                      </p:stCondLst>
+                      <p:childTnLst>
+                        <p:par>
+                          <p:cTn id="22" fill="hold">
+                            <p:stCondLst>
+                              <p:cond delay="0"/>
+                            </p:stCondLst>
+                            <p:childTnLst>
+                              <p:par>
+                                <p:cTn id="23" presetID="10" presetClass="exit" presetSubtype="0" fill="hold" grpId="0" nodeType="clickEffect">
+                                  <p:stCondLst>
+                                    <p:cond delay="0"/>
+                                  </p:stCondLst>
+                                  <p:childTnLst>
+                                    <p:animEffect transition="out" filter="fade">
+                                      <p:cBhvr>
+                                        <p:cTn id="24" dur="500"/>
+                                        <p:tgtEl>
+                                          <p:spTgt spid="6"/>
+                                        </p:tgtEl>
+                                      </p:cBhvr>
+                                    </p:animEffect>
+                                    <p:set>
+                                      <p:cBhvr>
+                                        <p:cTn id="25" dur="1" fill="hold">
+                                          <p:stCondLst>
+                                            <p:cond delay="499"/>
+                                          </p:stCondLst>
+                                        </p:cTn>
+                                        <p:tgtEl>
+                                          <p:spTgt spid="6"/>
+                                        </p:tgtEl>
+                                        <p:attrNameLst>
+                                          <p:attrName>style.visibility</p:attrName>
+                                        </p:attrNameLst>
+                                      </p:cBhvr>
+                                      <p:to>
+                                        <p:strVal val="hidden"/>
+                                      </p:to>
+                                    </p:set>
+                                  </p:childTnLst>
+                                </p:cTn>
+                              </p:par>
+                            </p:childTnLst>
+                          </p:cTn>
+                        </p:par>
+                      </p:childTnLst>
+                    </p:cTn>
+                  </p:par>
+                </p:childTnLst>
+              </p:cTn>
+              <p:prevCondLst>
+                <p:cond evt="onPrev" delay="0">
+                  <p:tgtEl>
+                    <p:sldTgt/>
+                  </p:tgtEl>
+                </p:cond>
+              </p:prevCondLst>
+              <p:nextCondLst>
+                <p:cond evt="onNext" delay="0">
+                  <p:tgtEl>
+                    <p:sldTgt/>
+                  </p:tgtEl>
+                </p:cond>
+              </p:nextCondLst>
+            </p:seq>
+          </p:childTnLst>
+        </p:cTn>
+      </p:par>
+    </p:tnLst>
+    <p:bldLst>
+      <p:bldP spid="6" grpId="0" animBg="1"/>
+      <p:bldP spid="14" grpId="0" animBg="1"/>
+      <p:bldP spid="15" grpId="0" animBg="1"/>
+      <p:bldP spid="17" grpId="0" animBg="1"/>
+      <p:bldP spid="18" grpId="0" animBg="1"/>
+    </p:bldLst>
+  </p:timing>
+</p:sld>
+</file>
+
+<file path=ppt/slides/slide12.xml><?xml version="1.0" encoding="utf-8"?>
 <p:sld xmlns:a="http://schemas.openxmlformats.org/drawingml/2006/main" xmlns:r="http://schemas.openxmlformats.org/officeDocument/2006/relationships" xmlns:p="http://schemas.openxmlformats.org/presentationml/2006/main">
   <p:cSld>
     <p:bg>
@@ -13431,15 +15737,6 @@
 </file>
 
 <file path=customXml/item2.xml><?xml version="1.0" encoding="utf-8"?>
-<?mso-contentType ?>
-<FormTemplates xmlns="http://schemas.microsoft.com/sharepoint/v3/contenttype/forms">
-  <Display>DocumentLibraryForm</Display>
-  <Edit>DocumentLibraryForm</Edit>
-  <New>DocumentLibraryForm</New>
-</FormTemplates>
-</file>
-
-<file path=customXml/item3.xml><?xml version="1.0" encoding="utf-8"?>
 <ct:contentTypeSchema xmlns:ct="http://schemas.microsoft.com/office/2006/metadata/contentType" xmlns:ma="http://schemas.microsoft.com/office/2006/metadata/properties/metaAttributes" ct:_="" ma:_="" ma:contentTypeName="Document" ma:contentTypeID="0x01010079F111ED35F8CC479449609E8A0923A6" ma:contentTypeVersion="12" ma:contentTypeDescription="Create a new document." ma:contentTypeScope="" ma:versionID="b385d60f68dd989dca1fdc827799d853">
   <xsd:schema xmlns:xsd="http://www.w3.org/2001/XMLSchema" xmlns:xs="http://www.w3.org/2001/XMLSchema" xmlns:p="http://schemas.microsoft.com/office/2006/metadata/properties" xmlns:ns2="71af3243-3dd4-4a8d-8c0d-dd76da1f02a5" xmlns:ns3="16c05727-aa75-4e4a-9b5f-8a80a1165891" targetNamespace="http://schemas.microsoft.com/office/2006/metadata/properties" ma:root="true" ma:fieldsID="1911b479caf7b199da365455750e4572" ns2:_="" ns3:_="">
     <xsd:import namespace="71af3243-3dd4-4a8d-8c0d-dd76da1f02a5"/>
@@ -13660,6 +15957,15 @@
 </ct:contentTypeSchema>
 </file>
 
+<file path=customXml/item3.xml><?xml version="1.0" encoding="utf-8"?>
+<?mso-contentType ?>
+<FormTemplates xmlns="http://schemas.microsoft.com/sharepoint/v3/contenttype/forms">
+  <Display>DocumentLibraryForm</Display>
+  <Edit>DocumentLibraryForm</Edit>
+  <New>DocumentLibraryForm</New>
+</FormTemplates>
+</file>
+
 <file path=customXml/itemProps1.xml><?xml version="1.0" encoding="utf-8"?>
 <ds:datastoreItem xmlns:ds="http://schemas.openxmlformats.org/officeDocument/2006/customXml" ds:itemID="{69E38AEF-4E2D-4D00-9707-4356DDB77317}">
   <ds:schemaRefs>
@@ -13671,14 +15977,6 @@
 </file>
 
 <file path=customXml/itemProps2.xml><?xml version="1.0" encoding="utf-8"?>
-<ds:datastoreItem xmlns:ds="http://schemas.openxmlformats.org/officeDocument/2006/customXml" ds:itemID="{E7235C91-959C-45D9-B60A-005B894ACEE3}">
-  <ds:schemaRefs>
-    <ds:schemaRef ds:uri="http://schemas.microsoft.com/sharepoint/v3/contenttype/forms"/>
-  </ds:schemaRefs>
-</ds:datastoreItem>
-</file>
-
-<file path=customXml/itemProps3.xml><?xml version="1.0" encoding="utf-8"?>
 <ds:datastoreItem xmlns:ds="http://schemas.openxmlformats.org/officeDocument/2006/customXml" ds:itemID="{1EF06AFC-006B-4BB6-8B59-5A9E1B0534F1}">
   <ds:schemaRefs>
     <ds:schemaRef ds:uri="http://schemas.microsoft.com/office/2006/metadata/contentType"/>
@@ -13695,4 +15993,12 @@
     <ds:schemaRef ds:uri="http://schemas.microsoft.com/internal/obd"/>
   </ds:schemaRefs>
 </ds:datastoreItem>
+</file>
+
+<file path=customXml/itemProps3.xml><?xml version="1.0" encoding="utf-8"?>
+<ds:datastoreItem xmlns:ds="http://schemas.openxmlformats.org/officeDocument/2006/customXml" ds:itemID="{E7235C91-959C-45D9-B60A-005B894ACEE3}">
+  <ds:schemaRefs>
+    <ds:schemaRef ds:uri="http://schemas.microsoft.com/sharepoint/v3/contenttype/forms"/>
+  </ds:schemaRefs>
+</ds:datastoreItem>
 </file>